--- a/資料/画像素材.pptx
+++ b/資料/画像素材.pptx
@@ -7,6 +7,7 @@
   <p:sldIdLst>
     <p:sldId id="256" r:id="rId2"/>
     <p:sldId id="257" r:id="rId3"/>
+    <p:sldId id="258" r:id="rId4"/>
   </p:sldIdLst>
   <p:sldSz cx="12192000" cy="6858000"/>
   <p:notesSz cx="6858000" cy="9144000"/>
@@ -244,7 +245,7 @@
           <a:p>
             <a:fld id="{46850D04-C92C-4BAC-B9B0-4483AE41D3E2}" type="datetimeFigureOut">
               <a:rPr kumimoji="1" lang="ja-JP" altLang="en-US" smtClean="0"/>
-              <a:t>2018/9/25</a:t>
+              <a:t>2018/10/25</a:t>
             </a:fld>
             <a:endParaRPr kumimoji="1" lang="ja-JP" altLang="en-US"/>
           </a:p>
@@ -446,7 +447,7 @@
           <a:p>
             <a:fld id="{46850D04-C92C-4BAC-B9B0-4483AE41D3E2}" type="datetimeFigureOut">
               <a:rPr kumimoji="1" lang="ja-JP" altLang="en-US" smtClean="0"/>
-              <a:t>2018/9/25</a:t>
+              <a:t>2018/10/25</a:t>
             </a:fld>
             <a:endParaRPr kumimoji="1" lang="ja-JP" altLang="en-US"/>
           </a:p>
@@ -658,7 +659,7 @@
           <a:p>
             <a:fld id="{46850D04-C92C-4BAC-B9B0-4483AE41D3E2}" type="datetimeFigureOut">
               <a:rPr kumimoji="1" lang="ja-JP" altLang="en-US" smtClean="0"/>
-              <a:t>2018/9/25</a:t>
+              <a:t>2018/10/25</a:t>
             </a:fld>
             <a:endParaRPr kumimoji="1" lang="ja-JP" altLang="en-US"/>
           </a:p>
@@ -860,7 +861,7 @@
           <a:p>
             <a:fld id="{46850D04-C92C-4BAC-B9B0-4483AE41D3E2}" type="datetimeFigureOut">
               <a:rPr kumimoji="1" lang="ja-JP" altLang="en-US" smtClean="0"/>
-              <a:t>2018/9/25</a:t>
+              <a:t>2018/10/25</a:t>
             </a:fld>
             <a:endParaRPr kumimoji="1" lang="ja-JP" altLang="en-US"/>
           </a:p>
@@ -1106,7 +1107,7 @@
           <a:p>
             <a:fld id="{46850D04-C92C-4BAC-B9B0-4483AE41D3E2}" type="datetimeFigureOut">
               <a:rPr kumimoji="1" lang="ja-JP" altLang="en-US" smtClean="0"/>
-              <a:t>2018/9/25</a:t>
+              <a:t>2018/10/25</a:t>
             </a:fld>
             <a:endParaRPr kumimoji="1" lang="ja-JP" altLang="en-US"/>
           </a:p>
@@ -1402,7 +1403,7 @@
           <a:p>
             <a:fld id="{46850D04-C92C-4BAC-B9B0-4483AE41D3E2}" type="datetimeFigureOut">
               <a:rPr kumimoji="1" lang="ja-JP" altLang="en-US" smtClean="0"/>
-              <a:t>2018/9/25</a:t>
+              <a:t>2018/10/25</a:t>
             </a:fld>
             <a:endParaRPr kumimoji="1" lang="ja-JP" altLang="en-US"/>
           </a:p>
@@ -1833,7 +1834,7 @@
           <a:p>
             <a:fld id="{46850D04-C92C-4BAC-B9B0-4483AE41D3E2}" type="datetimeFigureOut">
               <a:rPr kumimoji="1" lang="ja-JP" altLang="en-US" smtClean="0"/>
-              <a:t>2018/9/25</a:t>
+              <a:t>2018/10/25</a:t>
             </a:fld>
             <a:endParaRPr kumimoji="1" lang="ja-JP" altLang="en-US"/>
           </a:p>
@@ -1951,7 +1952,7 @@
           <a:p>
             <a:fld id="{46850D04-C92C-4BAC-B9B0-4483AE41D3E2}" type="datetimeFigureOut">
               <a:rPr kumimoji="1" lang="ja-JP" altLang="en-US" smtClean="0"/>
-              <a:t>2018/9/25</a:t>
+              <a:t>2018/10/25</a:t>
             </a:fld>
             <a:endParaRPr kumimoji="1" lang="ja-JP" altLang="en-US"/>
           </a:p>
@@ -2046,7 +2047,7 @@
           <a:p>
             <a:fld id="{46850D04-C92C-4BAC-B9B0-4483AE41D3E2}" type="datetimeFigureOut">
               <a:rPr kumimoji="1" lang="ja-JP" altLang="en-US" smtClean="0"/>
-              <a:t>2018/9/25</a:t>
+              <a:t>2018/10/25</a:t>
             </a:fld>
             <a:endParaRPr kumimoji="1" lang="ja-JP" altLang="en-US"/>
           </a:p>
@@ -2355,7 +2356,7 @@
           <a:p>
             <a:fld id="{46850D04-C92C-4BAC-B9B0-4483AE41D3E2}" type="datetimeFigureOut">
               <a:rPr kumimoji="1" lang="ja-JP" altLang="en-US" smtClean="0"/>
-              <a:t>2018/9/25</a:t>
+              <a:t>2018/10/25</a:t>
             </a:fld>
             <a:endParaRPr kumimoji="1" lang="ja-JP" altLang="en-US"/>
           </a:p>
@@ -2608,7 +2609,7 @@
           <a:p>
             <a:fld id="{46850D04-C92C-4BAC-B9B0-4483AE41D3E2}" type="datetimeFigureOut">
               <a:rPr kumimoji="1" lang="ja-JP" altLang="en-US" smtClean="0"/>
-              <a:t>2018/9/25</a:t>
+              <a:t>2018/10/25</a:t>
             </a:fld>
             <a:endParaRPr kumimoji="1" lang="ja-JP" altLang="en-US"/>
           </a:p>
@@ -2853,7 +2854,7 @@
           <a:p>
             <a:fld id="{46850D04-C92C-4BAC-B9B0-4483AE41D3E2}" type="datetimeFigureOut">
               <a:rPr kumimoji="1" lang="ja-JP" altLang="en-US" smtClean="0"/>
-              <a:t>2018/9/25</a:t>
+              <a:t>2018/10/25</a:t>
             </a:fld>
             <a:endParaRPr kumimoji="1" lang="ja-JP" altLang="en-US"/>
           </a:p>
@@ -3544,11 +3545,7 @@
             </a:r>
             <a:r>
               <a:rPr kumimoji="1" lang="en-US" altLang="ja-JP" dirty="0" smtClean="0"/>
-              <a:t> </a:t>
-            </a:r>
-            <a:r>
-              <a:rPr kumimoji="1" lang="en-US" altLang="ja-JP" dirty="0" smtClean="0"/>
-              <a:t>_</a:t>
+              <a:t> _</a:t>
             </a:r>
             <a:r>
               <a:rPr kumimoji="1" lang="en-US" altLang="ja-JP" dirty="0" err="1" smtClean="0"/>
@@ -3746,6 +3743,202 @@
   <p:clrMapOvr>
     <a:masterClrMapping/>
   </p:clrMapOvr>
+</p:sld>
+</file>
+
+<file path=ppt/slides/slide3.xml><?xml version="1.0" encoding="utf-8"?>
+<p:sld xmlns:a="http://schemas.openxmlformats.org/drawingml/2006/main" xmlns:r="http://schemas.openxmlformats.org/officeDocument/2006/relationships" xmlns:p="http://schemas.openxmlformats.org/presentationml/2006/main">
+  <p:cSld>
+    <p:spTree>
+      <p:nvGrpSpPr>
+        <p:cNvPr id="1" name=""/>
+        <p:cNvGrpSpPr/>
+        <p:nvPr/>
+      </p:nvGrpSpPr>
+      <p:grpSpPr>
+        <a:xfrm>
+          <a:off x="0" y="0"/>
+          <a:ext cx="0" cy="0"/>
+          <a:chOff x="0" y="0"/>
+          <a:chExt cx="0" cy="0"/>
+        </a:xfrm>
+      </p:grpSpPr>
+      <p:sp>
+        <p:nvSpPr>
+          <p:cNvPr id="4" name="テキスト ボックス 3"/>
+          <p:cNvSpPr txBox="1"/>
+          <p:nvPr/>
+        </p:nvSpPr>
+        <p:spPr>
+          <a:xfrm>
+            <a:off x="0" y="0"/>
+            <a:ext cx="2866292" cy="369332"/>
+          </a:xfrm>
+          <a:prstGeom prst="rect">
+            <a:avLst/>
+          </a:prstGeom>
+          <a:noFill/>
+        </p:spPr>
+        <p:txBody>
+          <a:bodyPr wrap="square" rtlCol="0">
+            <a:spAutoFit/>
+          </a:bodyPr>
+          <a:lstStyle/>
+          <a:p>
+            <a:r>
+              <a:rPr kumimoji="1" lang="en-US" altLang="ja-JP" dirty="0" err="1" smtClean="0"/>
+              <a:t>GameOverWnd</a:t>
+            </a:r>
+            <a:endParaRPr kumimoji="1" lang="ja-JP" altLang="en-US" dirty="0"/>
+          </a:p>
+        </p:txBody>
+      </p:sp>
+      <p:grpSp>
+        <p:nvGrpSpPr>
+          <p:cNvPr id="11" name="グループ化 10"/>
+          <p:cNvGrpSpPr/>
+          <p:nvPr/>
+        </p:nvGrpSpPr>
+        <p:grpSpPr>
+          <a:xfrm>
+            <a:off x="1973179" y="2213811"/>
+            <a:ext cx="7892716" cy="1815882"/>
+            <a:chOff x="1973179" y="2213811"/>
+            <a:chExt cx="7892716" cy="1815882"/>
+          </a:xfrm>
+        </p:grpSpPr>
+        <p:sp>
+          <p:nvSpPr>
+            <p:cNvPr id="3" name="テキスト ボックス 2"/>
+            <p:cNvSpPr txBox="1"/>
+            <p:nvPr/>
+          </p:nvSpPr>
+          <p:spPr>
+            <a:xfrm>
+              <a:off x="1973179" y="2213811"/>
+              <a:ext cx="7892716" cy="1446550"/>
+            </a:xfrm>
+            <a:prstGeom prst="rect">
+              <a:avLst/>
+            </a:prstGeom>
+            <a:noFill/>
+            <a:effectLst/>
+          </p:spPr>
+          <p:txBody>
+            <a:bodyPr wrap="square" rtlCol="0">
+              <a:spAutoFit/>
+            </a:bodyPr>
+            <a:lstStyle/>
+            <a:p>
+              <a:pPr algn="ctr"/>
+              <a:r>
+                <a:rPr kumimoji="1" lang="en-US" altLang="ja-JP" sz="8800" dirty="0" smtClean="0">
+                  <a:gradFill>
+                    <a:gsLst>
+                      <a:gs pos="83000">
+                        <a:srgbClr val="50C1FA"/>
+                      </a:gs>
+                      <a:gs pos="31000">
+                        <a:srgbClr val="0D63B1"/>
+                      </a:gs>
+                      <a:gs pos="0">
+                        <a:schemeClr val="tx1"/>
+                      </a:gs>
+                    </a:gsLst>
+                    <a:lin ang="5400000" scaled="0"/>
+                  </a:gradFill>
+                  <a:latin typeface="Segoe UI" panose="020B0502040204020203" pitchFamily="34" charset="0"/>
+                  <a:ea typeface="Meiryo UI" panose="020B0604030504040204" pitchFamily="50" charset="-128"/>
+                  <a:cs typeface="Segoe UI" panose="020B0502040204020203" pitchFamily="34" charset="0"/>
+                </a:rPr>
+                <a:t>Game Over</a:t>
+              </a:r>
+            </a:p>
+          </p:txBody>
+        </p:sp>
+        <p:sp>
+          <p:nvSpPr>
+            <p:cNvPr id="5" name="正方形/長方形 4"/>
+            <p:cNvSpPr/>
+            <p:nvPr/>
+          </p:nvSpPr>
+          <p:spPr>
+            <a:xfrm>
+              <a:off x="5019290" y="3660361"/>
+              <a:ext cx="1800493" cy="369332"/>
+            </a:xfrm>
+            <a:prstGeom prst="rect">
+              <a:avLst/>
+            </a:prstGeom>
+            <a:noFill/>
+          </p:spPr>
+          <p:txBody>
+            <a:bodyPr wrap="none">
+              <a:spAutoFit/>
+            </a:bodyPr>
+            <a:lstStyle/>
+            <a:p>
+              <a:pPr algn="ctr"/>
+              <a:r>
+                <a:rPr lang="ja-JP" altLang="en-US" dirty="0" smtClean="0">
+                  <a:gradFill>
+                    <a:gsLst>
+                      <a:gs pos="84000">
+                        <a:srgbClr val="042542"/>
+                      </a:gs>
+                      <a:gs pos="66000">
+                        <a:srgbClr val="1B5780"/>
+                      </a:gs>
+                      <a:gs pos="28000">
+                        <a:srgbClr val="45B1EE"/>
+                      </a:gs>
+                    </a:gsLst>
+                    <a:lin ang="5400000" scaled="0"/>
+                  </a:gradFill>
+                  <a:latin typeface="游明朝 Demibold" panose="02020600000000000000" pitchFamily="18" charset="-128"/>
+                  <a:ea typeface="游明朝 Demibold" panose="02020600000000000000" pitchFamily="18" charset="-128"/>
+                </a:rPr>
+                <a:t>パメルは怒った</a:t>
+              </a:r>
+              <a:endParaRPr lang="ja-JP" altLang="en-US" dirty="0">
+                <a:gradFill>
+                  <a:gsLst>
+                    <a:gs pos="84000">
+                      <a:srgbClr val="042542"/>
+                    </a:gs>
+                    <a:gs pos="66000">
+                      <a:srgbClr val="1B5780"/>
+                    </a:gs>
+                    <a:gs pos="28000">
+                      <a:srgbClr val="45B1EE"/>
+                    </a:gs>
+                  </a:gsLst>
+                  <a:lin ang="5400000" scaled="0"/>
+                </a:gradFill>
+                <a:latin typeface="游明朝 Demibold" panose="02020600000000000000" pitchFamily="18" charset="-128"/>
+                <a:ea typeface="游明朝 Demibold" panose="02020600000000000000" pitchFamily="18" charset="-128"/>
+              </a:endParaRPr>
+            </a:p>
+          </p:txBody>
+        </p:sp>
+      </p:grpSp>
+    </p:spTree>
+    <p:extLst>
+      <p:ext uri="{BB962C8B-B14F-4D97-AF65-F5344CB8AC3E}">
+        <p14:creationId xmlns:p14="http://schemas.microsoft.com/office/powerpoint/2010/main" val="393443858"/>
+      </p:ext>
+    </p:extLst>
+  </p:cSld>
+  <p:clrMapOvr>
+    <a:masterClrMapping/>
+  </p:clrMapOvr>
+  <p:timing>
+    <p:tnLst>
+      <p:par>
+        <p:cTn id="1" dur="indefinite" restart="never" nodeType="tmRoot"/>
+      </p:par>
+    </p:tnLst>
+  </p:timing>
 </p:sld>
 </file>
 
